--- a/Project/Презентация к курсовому проекту.pptx
+++ b/Project/Презентация к курсовому проекту.pptx
@@ -6,8 +6,8 @@
   </p:sldMasterIdLst>
   <p:sldIdLst>
     <p:sldId id="256" r:id="rId2"/>
-    <p:sldId id="257" r:id="rId3"/>
-    <p:sldId id="258" r:id="rId4"/>
+    <p:sldId id="264" r:id="rId3"/>
+    <p:sldId id="257" r:id="rId4"/>
     <p:sldId id="259" r:id="rId5"/>
     <p:sldId id="260" r:id="rId6"/>
     <p:sldId id="261" r:id="rId7"/>
@@ -268,7 +268,7 @@
           <a:p>
             <a:fld id="{D09A1115-E473-F94C-A917-91D1F9E8C76B}" type="datetimeFigureOut">
               <a:rPr lang="en-RU" smtClean="0"/>
-              <a:t>28.04.2022</a:t>
+              <a:t>29.04.2022</a:t>
             </a:fld>
             <a:endParaRPr lang="en-RU"/>
           </a:p>
@@ -468,7 +468,7 @@
           <a:p>
             <a:fld id="{D09A1115-E473-F94C-A917-91D1F9E8C76B}" type="datetimeFigureOut">
               <a:rPr lang="en-RU" smtClean="0"/>
-              <a:t>28.04.2022</a:t>
+              <a:t>29.04.2022</a:t>
             </a:fld>
             <a:endParaRPr lang="en-RU"/>
           </a:p>
@@ -678,7 +678,7 @@
           <a:p>
             <a:fld id="{D09A1115-E473-F94C-A917-91D1F9E8C76B}" type="datetimeFigureOut">
               <a:rPr lang="en-RU" smtClean="0"/>
-              <a:t>28.04.2022</a:t>
+              <a:t>29.04.2022</a:t>
             </a:fld>
             <a:endParaRPr lang="en-RU"/>
           </a:p>
@@ -878,7 +878,7 @@
           <a:p>
             <a:fld id="{D09A1115-E473-F94C-A917-91D1F9E8C76B}" type="datetimeFigureOut">
               <a:rPr lang="en-RU" smtClean="0"/>
-              <a:t>28.04.2022</a:t>
+              <a:t>29.04.2022</a:t>
             </a:fld>
             <a:endParaRPr lang="en-RU"/>
           </a:p>
@@ -1154,7 +1154,7 @@
           <a:p>
             <a:fld id="{D09A1115-E473-F94C-A917-91D1F9E8C76B}" type="datetimeFigureOut">
               <a:rPr lang="en-RU" smtClean="0"/>
-              <a:t>28.04.2022</a:t>
+              <a:t>29.04.2022</a:t>
             </a:fld>
             <a:endParaRPr lang="en-RU"/>
           </a:p>
@@ -1422,7 +1422,7 @@
           <a:p>
             <a:fld id="{D09A1115-E473-F94C-A917-91D1F9E8C76B}" type="datetimeFigureOut">
               <a:rPr lang="en-RU" smtClean="0"/>
-              <a:t>28.04.2022</a:t>
+              <a:t>29.04.2022</a:t>
             </a:fld>
             <a:endParaRPr lang="en-RU"/>
           </a:p>
@@ -1837,7 +1837,7 @@
           <a:p>
             <a:fld id="{D09A1115-E473-F94C-A917-91D1F9E8C76B}" type="datetimeFigureOut">
               <a:rPr lang="en-RU" smtClean="0"/>
-              <a:t>28.04.2022</a:t>
+              <a:t>29.04.2022</a:t>
             </a:fld>
             <a:endParaRPr lang="en-RU"/>
           </a:p>
@@ -1979,7 +1979,7 @@
           <a:p>
             <a:fld id="{D09A1115-E473-F94C-A917-91D1F9E8C76B}" type="datetimeFigureOut">
               <a:rPr lang="en-RU" smtClean="0"/>
-              <a:t>28.04.2022</a:t>
+              <a:t>29.04.2022</a:t>
             </a:fld>
             <a:endParaRPr lang="en-RU"/>
           </a:p>
@@ -2092,7 +2092,7 @@
           <a:p>
             <a:fld id="{D09A1115-E473-F94C-A917-91D1F9E8C76B}" type="datetimeFigureOut">
               <a:rPr lang="en-RU" smtClean="0"/>
-              <a:t>28.04.2022</a:t>
+              <a:t>29.04.2022</a:t>
             </a:fld>
             <a:endParaRPr lang="en-RU"/>
           </a:p>
@@ -2405,7 +2405,7 @@
           <a:p>
             <a:fld id="{D09A1115-E473-F94C-A917-91D1F9E8C76B}" type="datetimeFigureOut">
               <a:rPr lang="en-RU" smtClean="0"/>
-              <a:t>28.04.2022</a:t>
+              <a:t>29.04.2022</a:t>
             </a:fld>
             <a:endParaRPr lang="en-RU"/>
           </a:p>
@@ -2694,7 +2694,7 @@
           <a:p>
             <a:fld id="{D09A1115-E473-F94C-A917-91D1F9E8C76B}" type="datetimeFigureOut">
               <a:rPr lang="en-RU" smtClean="0"/>
-              <a:t>28.04.2022</a:t>
+              <a:t>29.04.2022</a:t>
             </a:fld>
             <a:endParaRPr lang="en-RU"/>
           </a:p>
@@ -2937,7 +2937,7 @@
           <a:p>
             <a:fld id="{D09A1115-E473-F94C-A917-91D1F9E8C76B}" type="datetimeFigureOut">
               <a:rPr lang="en-RU" smtClean="0"/>
-              <a:t>28.04.2022</a:t>
+              <a:t>29.04.2022</a:t>
             </a:fld>
             <a:endParaRPr lang="en-RU"/>
           </a:p>
@@ -3558,6 +3558,60 @@
           </a:p>
         </p:txBody>
       </p:sp>
+      <p:sp>
+        <p:nvSpPr>
+          <p:cNvPr id="6" name="TextBox 5">
+            <a:extLst>
+              <a:ext uri="{FF2B5EF4-FFF2-40B4-BE49-F238E27FC236}">
+                <a16:creationId xmlns:a16="http://schemas.microsoft.com/office/drawing/2014/main" id="{D2FF7120-2847-62DF-1A2A-E1352123E693}"/>
+              </a:ext>
+            </a:extLst>
+          </p:cNvPr>
+          <p:cNvSpPr txBox="1"/>
+          <p:nvPr/>
+        </p:nvSpPr>
+        <p:spPr>
+          <a:xfrm>
+            <a:off x="8341773" y="5306144"/>
+            <a:ext cx="3599509" cy="1477328"/>
+          </a:xfrm>
+          <a:prstGeom prst="rect">
+            <a:avLst/>
+          </a:prstGeom>
+          <a:noFill/>
+        </p:spPr>
+        <p:txBody>
+          <a:bodyPr wrap="square" rtlCol="0">
+            <a:spAutoFit/>
+          </a:bodyPr>
+          <a:lstStyle/>
+          <a:p>
+            <a:r>
+              <a:rPr lang="ru-RU" dirty="0">
+                <a:latin typeface="Times New Roman" panose="02020603050405020304" pitchFamily="18" charset="0"/>
+                <a:ea typeface="Calibri" panose="020F0502020204030204" pitchFamily="34" charset="0"/>
+              </a:rPr>
+              <a:t>Руководитель: Большакова-Стрекалова</a:t>
+            </a:r>
+            <a:r>
+              <a:rPr lang="ru-RU" dirty="0">
+                <a:latin typeface="Times New Roman" panose="02020603050405020304" pitchFamily="18" charset="0"/>
+              </a:rPr>
+              <a:t> Анна Викторовна, преподаватель ГБУ КО ПОО </a:t>
+            </a:r>
+            <a:r>
+              <a:rPr lang="ru-RU" dirty="0" err="1">
+                <a:latin typeface="Times New Roman" panose="02020603050405020304" pitchFamily="18" charset="0"/>
+              </a:rPr>
+              <a:t>КИТиС</a:t>
+            </a:r>
+            <a:endParaRPr lang="ru-RU" dirty="0"/>
+          </a:p>
+          <a:p>
+            <a:endParaRPr lang="en-RU" dirty="0"/>
+          </a:p>
+        </p:txBody>
+      </p:sp>
     </p:spTree>
     <p:extLst>
       <p:ext uri="{BB962C8B-B14F-4D97-AF65-F5344CB8AC3E}">
@@ -3593,7 +3647,7 @@
           <p:cNvPr id="2" name="Title 1">
             <a:extLst>
               <a:ext uri="{FF2B5EF4-FFF2-40B4-BE49-F238E27FC236}">
-                <a16:creationId xmlns:a16="http://schemas.microsoft.com/office/drawing/2014/main" id="{853AD03B-BCC2-2ECF-6B5F-A1CEEDDD176D}"/>
+                <a16:creationId xmlns:a16="http://schemas.microsoft.com/office/drawing/2014/main" id="{338E0E8F-FE7F-B5CC-9041-0101F27E7AD9}"/>
               </a:ext>
             </a:extLst>
           </p:cNvPr>
@@ -3612,16 +3666,26 @@
           <a:lstStyle/>
           <a:p>
             <a:r>
-              <a:rPr lang="ru-RU" sz="4000" dirty="0">
-                <a:latin typeface="Times New Roman" panose="02020603050405020304" pitchFamily="18" charset="0"/>
-                <a:cs typeface="Times New Roman" panose="02020603050405020304" pitchFamily="18" charset="0"/>
-              </a:rPr>
-              <a:t>Цели и задачи проект</a:t>
-            </a:r>
-            <a:endParaRPr lang="en-RU" sz="4000" dirty="0">
-              <a:latin typeface="Times New Roman" panose="02020603050405020304" pitchFamily="18" charset="0"/>
-              <a:cs typeface="Times New Roman" panose="02020603050405020304" pitchFamily="18" charset="0"/>
-            </a:endParaRPr>
+              <a:rPr lang="ru-RU" dirty="0">
+                <a:latin typeface="Times New Roman" panose="02020603050405020304" pitchFamily="18" charset="0"/>
+                <a:ea typeface="Calibri" panose="020F0502020204030204" pitchFamily="34" charset="0"/>
+              </a:rPr>
+              <a:t>Описание разработки приложения</a:t>
+            </a:r>
+            <a:br>
+              <a:rPr lang="ru-RU" dirty="0">
+                <a:latin typeface="Times New Roman" panose="02020603050405020304" pitchFamily="18" charset="0"/>
+                <a:ea typeface="Calibri" panose="020F0502020204030204" pitchFamily="34" charset="0"/>
+              </a:rPr>
+            </a:br>
+            <a:r>
+              <a:rPr lang="ru-RU" dirty="0">
+                <a:latin typeface="Times New Roman" panose="02020603050405020304" pitchFamily="18" charset="0"/>
+                <a:ea typeface="Calibri" panose="020F0502020204030204" pitchFamily="34" charset="0"/>
+              </a:rPr>
+              <a:t>Обоснование средств разработки </a:t>
+            </a:r>
+            <a:endParaRPr lang="en-RU" dirty="0"/>
           </a:p>
         </p:txBody>
       </p:sp>
@@ -3630,7 +3694,7 @@
           <p:cNvPr id="3" name="Content Placeholder 2">
             <a:extLst>
               <a:ext uri="{FF2B5EF4-FFF2-40B4-BE49-F238E27FC236}">
-                <a16:creationId xmlns:a16="http://schemas.microsoft.com/office/drawing/2014/main" id="{6B1C2568-AFEE-3A0B-3924-7C037A900C9A}"/>
+                <a16:creationId xmlns:a16="http://schemas.microsoft.com/office/drawing/2014/main" id="{E54EA348-239B-171F-43FE-1B275A3AC7F3}"/>
               </a:ext>
             </a:extLst>
           </p:cNvPr>
@@ -3643,181 +3707,64 @@
         </p:nvSpPr>
         <p:spPr>
           <a:xfrm>
-            <a:off x="838200" y="1597572"/>
-            <a:ext cx="10515600" cy="4579391"/>
+            <a:off x="838200" y="1825625"/>
+            <a:ext cx="10515600" cy="2977603"/>
           </a:xfrm>
         </p:spPr>
         <p:txBody>
-          <a:bodyPr>
-            <a:normAutofit fontScale="92500" lnSpcReduction="10000"/>
-          </a:bodyPr>
+          <a:bodyPr/>
           <a:lstStyle/>
           <a:p>
             <a:pPr marL="0" indent="0">
               <a:buNone/>
             </a:pPr>
             <a:r>
-              <a:rPr lang="ru-RU" dirty="0">
-                <a:latin typeface="Times New Roman" panose="02020603050405020304" pitchFamily="18" charset="0"/>
-                <a:cs typeface="Times New Roman" panose="02020603050405020304" pitchFamily="18" charset="0"/>
-              </a:rPr>
-              <a:t>Данный курсовой проект посвящена </a:t>
-            </a:r>
-            <a:r>
-              <a:rPr lang="en-RU" dirty="0">
-                <a:latin typeface="Times New Roman" panose="02020603050405020304" pitchFamily="18" charset="0"/>
-                <a:cs typeface="Times New Roman" panose="02020603050405020304" pitchFamily="18" charset="0"/>
-              </a:rPr>
-              <a:t>разработк</a:t>
-            </a:r>
-            <a:r>
-              <a:rPr lang="ru-RU" dirty="0">
-                <a:latin typeface="Times New Roman" panose="02020603050405020304" pitchFamily="18" charset="0"/>
-                <a:cs typeface="Times New Roman" panose="02020603050405020304" pitchFamily="18" charset="0"/>
-              </a:rPr>
-              <a:t>и</a:t>
-            </a:r>
-            <a:r>
-              <a:rPr lang="en-RU" dirty="0">
-                <a:latin typeface="Times New Roman" panose="02020603050405020304" pitchFamily="18" charset="0"/>
-                <a:cs typeface="Times New Roman" panose="02020603050405020304" pitchFamily="18" charset="0"/>
-              </a:rPr>
-              <a:t> мобильного приложения «</a:t>
-            </a:r>
-            <a:r>
-              <a:rPr lang="en-US" dirty="0">
-                <a:latin typeface="Times New Roman" panose="02020603050405020304" pitchFamily="18" charset="0"/>
-                <a:cs typeface="Times New Roman" panose="02020603050405020304" pitchFamily="18" charset="0"/>
-              </a:rPr>
-              <a:t>Puzzles</a:t>
-            </a:r>
-            <a:r>
-              <a:rPr lang="en-RU" dirty="0">
-                <a:latin typeface="Times New Roman" panose="02020603050405020304" pitchFamily="18" charset="0"/>
-                <a:cs typeface="Times New Roman" panose="02020603050405020304" pitchFamily="18" charset="0"/>
-              </a:rPr>
-              <a:t>».</a:t>
-            </a:r>
-            <a:r>
-              <a:rPr lang="en-RU" dirty="0">
-                <a:effectLst/>
-                <a:latin typeface="Times New Roman" panose="02020603050405020304" pitchFamily="18" charset="0"/>
-                <a:cs typeface="Times New Roman" panose="02020603050405020304" pitchFamily="18" charset="0"/>
-              </a:rPr>
-              <a:t> </a:t>
-            </a:r>
-            <a:r>
-              <a:rPr lang="ru-RU" dirty="0">
-                <a:effectLst/>
-                <a:latin typeface="Times New Roman" panose="02020603050405020304" pitchFamily="18" charset="0"/>
-                <a:cs typeface="Times New Roman" panose="02020603050405020304" pitchFamily="18" charset="0"/>
-              </a:rPr>
-              <a:t> </a:t>
-            </a:r>
-          </a:p>
-          <a:p>
-            <a:pPr marL="0" indent="0">
-              <a:buNone/>
-            </a:pPr>
-            <a:r>
-              <a:rPr lang="en-RU" dirty="0">
-                <a:latin typeface="Times New Roman" panose="02020603050405020304" pitchFamily="18" charset="0"/>
-                <a:cs typeface="Times New Roman" panose="02020603050405020304" pitchFamily="18" charset="0"/>
-              </a:rPr>
-              <a:t>Цель</a:t>
-            </a:r>
-            <a:r>
-              <a:rPr lang="ru-RU" dirty="0">
-                <a:latin typeface="Times New Roman" panose="02020603050405020304" pitchFamily="18" charset="0"/>
-                <a:cs typeface="Times New Roman" panose="02020603050405020304" pitchFamily="18" charset="0"/>
-              </a:rPr>
-              <a:t>ю</a:t>
-            </a:r>
-            <a:r>
-              <a:rPr lang="en-RU" dirty="0">
-                <a:latin typeface="Times New Roman" panose="02020603050405020304" pitchFamily="18" charset="0"/>
-                <a:cs typeface="Times New Roman" panose="02020603050405020304" pitchFamily="18" charset="0"/>
-              </a:rPr>
-              <a:t> данно</a:t>
-            </a:r>
-            <a:r>
-              <a:rPr lang="ru-RU" dirty="0">
-                <a:latin typeface="Times New Roman" panose="02020603050405020304" pitchFamily="18" charset="0"/>
-                <a:cs typeface="Times New Roman" panose="02020603050405020304" pitchFamily="18" charset="0"/>
-              </a:rPr>
-              <a:t>го проекта является </a:t>
-            </a:r>
-            <a:r>
-              <a:rPr lang="en-RU" dirty="0">
-                <a:latin typeface="Times New Roman" panose="02020603050405020304" pitchFamily="18" charset="0"/>
-                <a:cs typeface="Times New Roman" panose="02020603050405020304" pitchFamily="18" charset="0"/>
-              </a:rPr>
-              <a:t>создание мобильного приложения</a:t>
-            </a:r>
-            <a:r>
-              <a:rPr lang="ru-RU" dirty="0">
-                <a:latin typeface="Times New Roman" panose="02020603050405020304" pitchFamily="18" charset="0"/>
-                <a:cs typeface="Times New Roman" panose="02020603050405020304" pitchFamily="18" charset="0"/>
-              </a:rPr>
-              <a:t> с логическими загадками и поиском предметов на картинке</a:t>
-            </a:r>
-            <a:r>
-              <a:rPr lang="en-RU" dirty="0">
-                <a:latin typeface="Times New Roman" panose="02020603050405020304" pitchFamily="18" charset="0"/>
-                <a:cs typeface="Times New Roman" panose="02020603050405020304" pitchFamily="18" charset="0"/>
-              </a:rPr>
-              <a:t>. </a:t>
-            </a:r>
-            <a:r>
-              <a:rPr lang="ru-RU" dirty="0">
-                <a:latin typeface="Times New Roman" panose="02020603050405020304" pitchFamily="18" charset="0"/>
-                <a:cs typeface="Times New Roman" panose="02020603050405020304" pitchFamily="18" charset="0"/>
-              </a:rPr>
-              <a:t>Данное приложение обладает красивым и понятным дизайном.</a:t>
-            </a:r>
-            <a:endParaRPr lang="en-RU" dirty="0">
-              <a:latin typeface="Times New Roman" panose="02020603050405020304" pitchFamily="18" charset="0"/>
-              <a:cs typeface="Times New Roman" panose="02020603050405020304" pitchFamily="18" charset="0"/>
-            </a:endParaRPr>
-          </a:p>
-          <a:p>
-            <a:pPr marL="0" indent="0">
-              <a:buNone/>
-            </a:pPr>
-            <a:r>
-              <a:rPr lang="en-RU" dirty="0">
-                <a:latin typeface="Times New Roman" panose="02020603050405020304" pitchFamily="18" charset="0"/>
-                <a:cs typeface="Times New Roman" panose="02020603050405020304" pitchFamily="18" charset="0"/>
-              </a:rPr>
-              <a:t>Задачи </a:t>
-            </a:r>
-            <a:r>
-              <a:rPr lang="ru-RU" dirty="0">
-                <a:latin typeface="Times New Roman" panose="02020603050405020304" pitchFamily="18" charset="0"/>
-                <a:cs typeface="Times New Roman" panose="02020603050405020304" pitchFamily="18" charset="0"/>
-              </a:rPr>
-              <a:t>и</a:t>
-            </a:r>
-            <a:r>
-              <a:rPr lang="en-RU" dirty="0">
-                <a:latin typeface="Times New Roman" panose="02020603050405020304" pitchFamily="18" charset="0"/>
-                <a:cs typeface="Times New Roman" panose="02020603050405020304" pitchFamily="18" charset="0"/>
-              </a:rPr>
-              <a:t> цели выявить ключевые потребности пользователей, определить целевую аудиторию, разработать красивый минималистичный дизайн и простую навигацию. После составления графического интерфейса необходимо разобрать программу на несколько модулей и скомпилировать проект. После выпуска программного продукта, нужно составить набор тестов и воспроизвести их.</a:t>
-            </a:r>
-          </a:p>
-          <a:p>
-            <a:pPr marL="0" indent="0">
-              <a:buNone/>
-            </a:pPr>
-            <a:endParaRPr lang="en-RU" dirty="0"/>
+              <a:rPr lang="en-RU" dirty="0"/>
+              <a:t>Для выполнения проекта необходимо определить, с помощью каких средств будет разрабатываться приложение. Самими популярными средствами разработки для мобильных являются: </a:t>
+            </a:r>
+            <a:r>
+              <a:rPr lang="en-US" dirty="0"/>
+              <a:t>Android Studio</a:t>
+            </a:r>
+            <a:r>
+              <a:rPr lang="en-RU" dirty="0"/>
+              <a:t>, </a:t>
+            </a:r>
+            <a:r>
+              <a:rPr lang="en-US" dirty="0"/>
+              <a:t>XCode</a:t>
+            </a:r>
+            <a:r>
+              <a:rPr lang="ru-RU" dirty="0"/>
+              <a:t>(</a:t>
+            </a:r>
+            <a:r>
+              <a:rPr lang="ru-RU" dirty="0" err="1"/>
+              <a:t>AppCode</a:t>
+            </a:r>
+            <a:r>
+              <a:rPr lang="ru-RU" dirty="0"/>
+              <a:t>)</a:t>
+            </a:r>
+            <a:r>
+              <a:rPr lang="en-RU" dirty="0"/>
+              <a:t> и </a:t>
+            </a:r>
+            <a:r>
+              <a:rPr lang="en-US" dirty="0"/>
+              <a:t>Visual Code</a:t>
+            </a:r>
+            <a:r>
+              <a:rPr lang="en-RU" dirty="0"/>
+              <a:t>. Требуется определить преимущества каждого из средств разработки, и исходя из технических требований выбрать самый подходящий вариант.</a:t>
+            </a:r>
           </a:p>
         </p:txBody>
       </p:sp>
     </p:spTree>
     <p:extLst>
       <p:ext uri="{BB962C8B-B14F-4D97-AF65-F5344CB8AC3E}">
-        <p14:creationId xmlns:p14="http://schemas.microsoft.com/office/powerpoint/2010/main" val="3383728208"/>
+        <p14:creationId xmlns:p14="http://schemas.microsoft.com/office/powerpoint/2010/main" val="656296719"/>
       </p:ext>
     </p:extLst>
   </p:cSld>
@@ -3872,7 +3819,7 @@
                 <a:latin typeface="Times New Roman" panose="02020603050405020304" pitchFamily="18" charset="0"/>
                 <a:cs typeface="Times New Roman" panose="02020603050405020304" pitchFamily="18" charset="0"/>
               </a:rPr>
-              <a:t>Актуальность</a:t>
+              <a:t>Цели и задачи проект</a:t>
             </a:r>
             <a:endParaRPr lang="en-RU" sz="4000" dirty="0">
               <a:latin typeface="Times New Roman" panose="02020603050405020304" pitchFamily="18" charset="0"/>
@@ -3897,39 +3844,159 @@
             <p:ph idx="1"/>
           </p:nvPr>
         </p:nvSpPr>
-        <p:spPr/>
-        <p:txBody>
-          <a:bodyPr/>
+        <p:spPr>
+          <a:xfrm>
+            <a:off x="838200" y="1597572"/>
+            <a:ext cx="10515600" cy="4579391"/>
+          </a:xfrm>
+        </p:spPr>
+        <p:txBody>
+          <a:bodyPr>
+            <a:normAutofit/>
+          </a:bodyPr>
           <a:lstStyle/>
           <a:p>
             <a:pPr marL="0" indent="0">
               <a:buNone/>
             </a:pPr>
             <a:r>
-              <a:rPr lang="ru-RU" sz="3600" dirty="0">
-                <a:latin typeface="Times New Roman" panose="02020603050405020304" pitchFamily="18" charset="0"/>
-                <a:cs typeface="Times New Roman" panose="02020603050405020304" pitchFamily="18" charset="0"/>
-              </a:rPr>
-              <a:t>Актуальность проекта обоснована тем, что она имеет большую популярность среди пользователей и имеет </a:t>
-            </a:r>
-            <a:r>
-              <a:rPr lang="en-RU" sz="3600" dirty="0">
-                <a:latin typeface="Times New Roman" panose="02020603050405020304" pitchFamily="18" charset="0"/>
-                <a:cs typeface="Times New Roman" panose="02020603050405020304" pitchFamily="18" charset="0"/>
-              </a:rPr>
-              <a:t>большой потенциал в росте аудитории</a:t>
-            </a:r>
-            <a:r>
-              <a:rPr lang="ru-RU" sz="3600" dirty="0">
-                <a:latin typeface="Times New Roman" panose="02020603050405020304" pitchFamily="18" charset="0"/>
-                <a:cs typeface="Times New Roman" panose="02020603050405020304" pitchFamily="18" charset="0"/>
-              </a:rPr>
-              <a:t>, так же увлекает пользователей милым интерфейсом и возможностью зашевелить свой мозг.</a:t>
-            </a:r>
-            <a:endParaRPr lang="en-RU" sz="3600" dirty="0">
-              <a:latin typeface="Times New Roman" panose="02020603050405020304" pitchFamily="18" charset="0"/>
-              <a:cs typeface="Times New Roman" panose="02020603050405020304" pitchFamily="18" charset="0"/>
-            </a:endParaRPr>
+              <a:rPr lang="ru-RU" dirty="0">
+                <a:latin typeface="Times New Roman" panose="02020603050405020304" pitchFamily="18" charset="0"/>
+                <a:cs typeface="Times New Roman" panose="02020603050405020304" pitchFamily="18" charset="0"/>
+              </a:rPr>
+              <a:t>Данный курсовой проект посвящена </a:t>
+            </a:r>
+            <a:r>
+              <a:rPr lang="en-RU" dirty="0">
+                <a:latin typeface="Times New Roman" panose="02020603050405020304" pitchFamily="18" charset="0"/>
+                <a:cs typeface="Times New Roman" panose="02020603050405020304" pitchFamily="18" charset="0"/>
+              </a:rPr>
+              <a:t>разработк</a:t>
+            </a:r>
+            <a:r>
+              <a:rPr lang="ru-RU" dirty="0">
+                <a:latin typeface="Times New Roman" panose="02020603050405020304" pitchFamily="18" charset="0"/>
+                <a:cs typeface="Times New Roman" panose="02020603050405020304" pitchFamily="18" charset="0"/>
+              </a:rPr>
+              <a:t>и</a:t>
+            </a:r>
+            <a:r>
+              <a:rPr lang="en-RU" dirty="0">
+                <a:latin typeface="Times New Roman" panose="02020603050405020304" pitchFamily="18" charset="0"/>
+                <a:cs typeface="Times New Roman" panose="02020603050405020304" pitchFamily="18" charset="0"/>
+              </a:rPr>
+              <a:t> мобильного приложения «</a:t>
+            </a:r>
+            <a:r>
+              <a:rPr lang="en-US" dirty="0">
+                <a:latin typeface="Times New Roman" panose="02020603050405020304" pitchFamily="18" charset="0"/>
+                <a:cs typeface="Times New Roman" panose="02020603050405020304" pitchFamily="18" charset="0"/>
+              </a:rPr>
+              <a:t>Puzzles</a:t>
+            </a:r>
+            <a:r>
+              <a:rPr lang="en-RU" dirty="0">
+                <a:latin typeface="Times New Roman" panose="02020603050405020304" pitchFamily="18" charset="0"/>
+                <a:cs typeface="Times New Roman" panose="02020603050405020304" pitchFamily="18" charset="0"/>
+              </a:rPr>
+              <a:t>».</a:t>
+            </a:r>
+            <a:r>
+              <a:rPr lang="en-RU" dirty="0">
+                <a:effectLst/>
+                <a:latin typeface="Times New Roman" panose="02020603050405020304" pitchFamily="18" charset="0"/>
+                <a:cs typeface="Times New Roman" panose="02020603050405020304" pitchFamily="18" charset="0"/>
+              </a:rPr>
+              <a:t> </a:t>
+            </a:r>
+            <a:r>
+              <a:rPr lang="ru-RU" dirty="0">
+                <a:effectLst/>
+                <a:latin typeface="Times New Roman" panose="02020603050405020304" pitchFamily="18" charset="0"/>
+                <a:cs typeface="Times New Roman" panose="02020603050405020304" pitchFamily="18" charset="0"/>
+              </a:rPr>
+              <a:t> </a:t>
+            </a:r>
+          </a:p>
+          <a:p>
+            <a:pPr marL="0" indent="0">
+              <a:buNone/>
+            </a:pPr>
+            <a:r>
+              <a:rPr lang="en-RU" dirty="0">
+                <a:latin typeface="Times New Roman" panose="02020603050405020304" pitchFamily="18" charset="0"/>
+                <a:cs typeface="Times New Roman" panose="02020603050405020304" pitchFamily="18" charset="0"/>
+              </a:rPr>
+              <a:t>Цель</a:t>
+            </a:r>
+            <a:r>
+              <a:rPr lang="ru-RU" dirty="0">
+                <a:latin typeface="Times New Roman" panose="02020603050405020304" pitchFamily="18" charset="0"/>
+                <a:cs typeface="Times New Roman" panose="02020603050405020304" pitchFamily="18" charset="0"/>
+              </a:rPr>
+              <a:t>ю</a:t>
+            </a:r>
+            <a:r>
+              <a:rPr lang="en-RU" dirty="0">
+                <a:latin typeface="Times New Roman" panose="02020603050405020304" pitchFamily="18" charset="0"/>
+                <a:cs typeface="Times New Roman" panose="02020603050405020304" pitchFamily="18" charset="0"/>
+              </a:rPr>
+              <a:t> данно</a:t>
+            </a:r>
+            <a:r>
+              <a:rPr lang="ru-RU" dirty="0">
+                <a:latin typeface="Times New Roman" panose="02020603050405020304" pitchFamily="18" charset="0"/>
+                <a:cs typeface="Times New Roman" panose="02020603050405020304" pitchFamily="18" charset="0"/>
+              </a:rPr>
+              <a:t>го проекта является </a:t>
+            </a:r>
+            <a:r>
+              <a:rPr lang="en-RU" dirty="0">
+                <a:latin typeface="Times New Roman" panose="02020603050405020304" pitchFamily="18" charset="0"/>
+                <a:cs typeface="Times New Roman" panose="02020603050405020304" pitchFamily="18" charset="0"/>
+              </a:rPr>
+              <a:t>создание мобильного приложения</a:t>
+            </a:r>
+            <a:r>
+              <a:rPr lang="ru-RU" dirty="0">
+                <a:latin typeface="Times New Roman" panose="02020603050405020304" pitchFamily="18" charset="0"/>
+                <a:cs typeface="Times New Roman" panose="02020603050405020304" pitchFamily="18" charset="0"/>
+              </a:rPr>
+              <a:t> с логическими загадками и поиском предметов на картинке</a:t>
+            </a:r>
+            <a:r>
+              <a:rPr lang="en-RU" dirty="0">
+                <a:latin typeface="Times New Roman" panose="02020603050405020304" pitchFamily="18" charset="0"/>
+                <a:cs typeface="Times New Roman" panose="02020603050405020304" pitchFamily="18" charset="0"/>
+              </a:rPr>
+              <a:t>. </a:t>
+            </a:r>
+          </a:p>
+          <a:p>
+            <a:pPr marL="0" indent="0">
+              <a:buNone/>
+            </a:pPr>
+            <a:r>
+              <a:rPr lang="en-RU" dirty="0">
+                <a:latin typeface="Times New Roman" panose="02020603050405020304" pitchFamily="18" charset="0"/>
+                <a:cs typeface="Times New Roman" panose="02020603050405020304" pitchFamily="18" charset="0"/>
+              </a:rPr>
+              <a:t>Задачи </a:t>
+            </a:r>
+            <a:r>
+              <a:rPr lang="ru-RU" dirty="0">
+                <a:latin typeface="Times New Roman" panose="02020603050405020304" pitchFamily="18" charset="0"/>
+                <a:cs typeface="Times New Roman" panose="02020603050405020304" pitchFamily="18" charset="0"/>
+              </a:rPr>
+              <a:t>и</a:t>
+            </a:r>
+            <a:r>
+              <a:rPr lang="en-RU" dirty="0">
+                <a:latin typeface="Times New Roman" panose="02020603050405020304" pitchFamily="18" charset="0"/>
+                <a:cs typeface="Times New Roman" panose="02020603050405020304" pitchFamily="18" charset="0"/>
+              </a:rPr>
+              <a:t> цели выявить ключевые потребности пользователей, определить целевую аудиторию, разработать красивый минималистичный дизайн и простую навигацию. После составления графического интерфейса необходимо разобрать программу на несколько модулей и скомпилировать проект. После выпуска программного продукта, нужно составить набор тестов и воспроизвести их.</a:t>
+            </a:r>
           </a:p>
           <a:p>
             <a:pPr marL="0" indent="0">
@@ -3942,7 +4009,7 @@
     </p:spTree>
     <p:extLst>
       <p:ext uri="{BB962C8B-B14F-4D97-AF65-F5344CB8AC3E}">
-        <p14:creationId xmlns:p14="http://schemas.microsoft.com/office/powerpoint/2010/main" val="3821461920"/>
+        <p14:creationId xmlns:p14="http://schemas.microsoft.com/office/powerpoint/2010/main" val="3383728208"/>
       </p:ext>
     </p:extLst>
   </p:cSld>
